--- a/docs/diagrams/RecentCommandListThree.pptx
+++ b/docs/diagrams/RecentCommandListThree.pptx
@@ -261,7 +261,7 @@
           <a:p>
             <a:fld id="{03EC4E3E-8101-482F-A883-8B55DAFF7C07}" type="datetimeFigureOut">
               <a:rPr lang="en-SG" smtClean="0"/>
-              <a:t>23/3/2018</a:t>
+              <a:t>14/4/2018</a:t>
             </a:fld>
             <a:endParaRPr lang="en-SG"/>
           </a:p>
@@ -461,7 +461,7 @@
           <a:p>
             <a:fld id="{03EC4E3E-8101-482F-A883-8B55DAFF7C07}" type="datetimeFigureOut">
               <a:rPr lang="en-SG" smtClean="0"/>
-              <a:t>23/3/2018</a:t>
+              <a:t>14/4/2018</a:t>
             </a:fld>
             <a:endParaRPr lang="en-SG"/>
           </a:p>
@@ -671,7 +671,7 @@
           <a:p>
             <a:fld id="{03EC4E3E-8101-482F-A883-8B55DAFF7C07}" type="datetimeFigureOut">
               <a:rPr lang="en-SG" smtClean="0"/>
-              <a:t>23/3/2018</a:t>
+              <a:t>14/4/2018</a:t>
             </a:fld>
             <a:endParaRPr lang="en-SG"/>
           </a:p>
@@ -871,7 +871,7 @@
           <a:p>
             <a:fld id="{03EC4E3E-8101-482F-A883-8B55DAFF7C07}" type="datetimeFigureOut">
               <a:rPr lang="en-SG" smtClean="0"/>
-              <a:t>23/3/2018</a:t>
+              <a:t>14/4/2018</a:t>
             </a:fld>
             <a:endParaRPr lang="en-SG"/>
           </a:p>
@@ -1147,7 +1147,7 @@
           <a:p>
             <a:fld id="{03EC4E3E-8101-482F-A883-8B55DAFF7C07}" type="datetimeFigureOut">
               <a:rPr lang="en-SG" smtClean="0"/>
-              <a:t>23/3/2018</a:t>
+              <a:t>14/4/2018</a:t>
             </a:fld>
             <a:endParaRPr lang="en-SG"/>
           </a:p>
@@ -1415,7 +1415,7 @@
           <a:p>
             <a:fld id="{03EC4E3E-8101-482F-A883-8B55DAFF7C07}" type="datetimeFigureOut">
               <a:rPr lang="en-SG" smtClean="0"/>
-              <a:t>23/3/2018</a:t>
+              <a:t>14/4/2018</a:t>
             </a:fld>
             <a:endParaRPr lang="en-SG"/>
           </a:p>
@@ -1830,7 +1830,7 @@
           <a:p>
             <a:fld id="{03EC4E3E-8101-482F-A883-8B55DAFF7C07}" type="datetimeFigureOut">
               <a:rPr lang="en-SG" smtClean="0"/>
-              <a:t>23/3/2018</a:t>
+              <a:t>14/4/2018</a:t>
             </a:fld>
             <a:endParaRPr lang="en-SG"/>
           </a:p>
@@ -1972,7 +1972,7 @@
           <a:p>
             <a:fld id="{03EC4E3E-8101-482F-A883-8B55DAFF7C07}" type="datetimeFigureOut">
               <a:rPr lang="en-SG" smtClean="0"/>
-              <a:t>23/3/2018</a:t>
+              <a:t>14/4/2018</a:t>
             </a:fld>
             <a:endParaRPr lang="en-SG"/>
           </a:p>
@@ -2085,7 +2085,7 @@
           <a:p>
             <a:fld id="{03EC4E3E-8101-482F-A883-8B55DAFF7C07}" type="datetimeFigureOut">
               <a:rPr lang="en-SG" smtClean="0"/>
-              <a:t>23/3/2018</a:t>
+              <a:t>14/4/2018</a:t>
             </a:fld>
             <a:endParaRPr lang="en-SG"/>
           </a:p>
@@ -2398,7 +2398,7 @@
           <a:p>
             <a:fld id="{03EC4E3E-8101-482F-A883-8B55DAFF7C07}" type="datetimeFigureOut">
               <a:rPr lang="en-SG" smtClean="0"/>
-              <a:t>23/3/2018</a:t>
+              <a:t>14/4/2018</a:t>
             </a:fld>
             <a:endParaRPr lang="en-SG"/>
           </a:p>
@@ -2687,7 +2687,7 @@
           <a:p>
             <a:fld id="{03EC4E3E-8101-482F-A883-8B55DAFF7C07}" type="datetimeFigureOut">
               <a:rPr lang="en-SG" smtClean="0"/>
-              <a:t>23/3/2018</a:t>
+              <a:t>14/4/2018</a:t>
             </a:fld>
             <a:endParaRPr lang="en-SG"/>
           </a:p>
@@ -2930,7 +2930,7 @@
           <a:p>
             <a:fld id="{03EC4E3E-8101-482F-A883-8B55DAFF7C07}" type="datetimeFigureOut">
               <a:rPr lang="en-SG" smtClean="0"/>
-              <a:t>23/3/2018</a:t>
+              <a:t>14/4/2018</a:t>
             </a:fld>
             <a:endParaRPr lang="en-SG"/>
           </a:p>
@@ -3349,10 +3349,10 @@
       </p:grpSpPr>
       <p:sp>
         <p:nvSpPr>
-          <p:cNvPr id="2" name="Rectangle 1">
-            <a:extLst>
-              <a:ext uri="{FF2B5EF4-FFF2-40B4-BE49-F238E27FC236}">
-                <a16:creationId xmlns:a16="http://schemas.microsoft.com/office/drawing/2014/main" id="{E4C5B53F-0D7D-4074-84B3-E75C9156976C}"/>
+          <p:cNvPr id="28" name="Rectangle 27">
+            <a:extLst>
+              <a:ext uri="{FF2B5EF4-FFF2-40B4-BE49-F238E27FC236}">
+                <a16:creationId xmlns:a16="http://schemas.microsoft.com/office/drawing/2014/main" id="{D29C164F-636E-4364-9BFB-2C49D26C130C}"/>
               </a:ext>
             </a:extLst>
           </p:cNvPr>
@@ -3361,8 +3361,8 @@
         </p:nvSpPr>
         <p:spPr>
           <a:xfrm>
-            <a:off x="4190260" y="741684"/>
-            <a:ext cx="5832629" cy="1171852"/>
+            <a:off x="4190261" y="4089535"/>
+            <a:ext cx="4041760" cy="1171852"/>
           </a:xfrm>
           <a:prstGeom prst="rect">
             <a:avLst/>
@@ -3403,10 +3403,64 @@
       </p:sp>
       <p:sp>
         <p:nvSpPr>
-          <p:cNvPr id="18" name="TextBox 17">
-            <a:extLst>
-              <a:ext uri="{FF2B5EF4-FFF2-40B4-BE49-F238E27FC236}">
-                <a16:creationId xmlns:a16="http://schemas.microsoft.com/office/drawing/2014/main" id="{8C33FEE6-A6CF-4901-A479-CA2516631721}"/>
+          <p:cNvPr id="29" name="Rectangle 28">
+            <a:extLst>
+              <a:ext uri="{FF2B5EF4-FFF2-40B4-BE49-F238E27FC236}">
+                <a16:creationId xmlns:a16="http://schemas.microsoft.com/office/drawing/2014/main" id="{9F625CA1-3B9D-4311-9F32-2CFCC5714881}"/>
+              </a:ext>
+            </a:extLst>
+          </p:cNvPr>
+          <p:cNvSpPr/>
+          <p:nvPr/>
+        </p:nvSpPr>
+        <p:spPr>
+          <a:xfrm>
+            <a:off x="4190261" y="741684"/>
+            <a:ext cx="4041760" cy="1171852"/>
+          </a:xfrm>
+          <a:prstGeom prst="rect">
+            <a:avLst/>
+          </a:prstGeom>
+          <a:solidFill>
+            <a:schemeClr val="bg1"/>
+          </a:solidFill>
+          <a:ln w="28575">
+            <a:solidFill>
+              <a:schemeClr val="tx1"/>
+            </a:solidFill>
+          </a:ln>
+        </p:spPr>
+        <p:style>
+          <a:lnRef idx="2">
+            <a:schemeClr val="accent1">
+              <a:shade val="50000"/>
+            </a:schemeClr>
+          </a:lnRef>
+          <a:fillRef idx="1">
+            <a:schemeClr val="accent1"/>
+          </a:fillRef>
+          <a:effectRef idx="0">
+            <a:schemeClr val="accent1"/>
+          </a:effectRef>
+          <a:fontRef idx="minor">
+            <a:schemeClr val="lt1"/>
+          </a:fontRef>
+        </p:style>
+        <p:txBody>
+          <a:bodyPr rtlCol="0" anchor="ctr"/>
+          <a:lstStyle/>
+          <a:p>
+            <a:pPr algn="ctr"/>
+            <a:endParaRPr lang="en-SG"/>
+          </a:p>
+        </p:txBody>
+      </p:sp>
+      <p:sp>
+        <p:nvSpPr>
+          <p:cNvPr id="30" name="TextBox 29">
+            <a:extLst>
+              <a:ext uri="{FF2B5EF4-FFF2-40B4-BE49-F238E27FC236}">
+                <a16:creationId xmlns:a16="http://schemas.microsoft.com/office/drawing/2014/main" id="{B4A845E2-89F4-4FF8-B82C-609FE49B7D81}"/>
               </a:ext>
             </a:extLst>
           </p:cNvPr>
@@ -3415,7 +3469,7 @@
         </p:nvSpPr>
         <p:spPr>
           <a:xfrm>
-            <a:off x="5768951" y="1974706"/>
+            <a:off x="4899767" y="1956069"/>
             <a:ext cx="2463069" cy="365972"/>
           </a:xfrm>
           <a:prstGeom prst="rect">
@@ -3444,10 +3498,10 @@
       </p:sp>
       <p:sp>
         <p:nvSpPr>
-          <p:cNvPr id="19" name="Rectangle 18">
-            <a:extLst>
-              <a:ext uri="{FF2B5EF4-FFF2-40B4-BE49-F238E27FC236}">
-                <a16:creationId xmlns:a16="http://schemas.microsoft.com/office/drawing/2014/main" id="{1A304ACE-1749-4239-BB54-EAD1AA63C0B7}"/>
+          <p:cNvPr id="31" name="Rectangle 30">
+            <a:extLst>
+              <a:ext uri="{FF2B5EF4-FFF2-40B4-BE49-F238E27FC236}">
+                <a16:creationId xmlns:a16="http://schemas.microsoft.com/office/drawing/2014/main" id="{7E531EFF-577D-4F23-A004-65DD66D31C13}"/>
               </a:ext>
             </a:extLst>
           </p:cNvPr>
@@ -3456,7 +3510,7 @@
         </p:nvSpPr>
         <p:spPr>
           <a:xfrm>
-            <a:off x="952336" y="741684"/>
+            <a:off x="1427125" y="741684"/>
             <a:ext cx="1954621" cy="4944862"/>
           </a:xfrm>
           <a:prstGeom prst="rect">
@@ -3577,10 +3631,10 @@
       </p:sp>
       <p:graphicFrame>
         <p:nvGraphicFramePr>
-          <p:cNvPr id="20" name="Table 19">
-            <a:extLst>
-              <a:ext uri="{FF2B5EF4-FFF2-40B4-BE49-F238E27FC236}">
-                <a16:creationId xmlns:a16="http://schemas.microsoft.com/office/drawing/2014/main" id="{E9736894-3C1E-424F-8975-C8DE0E3D7231}"/>
+          <p:cNvPr id="34" name="Table 33">
+            <a:extLst>
+              <a:ext uri="{FF2B5EF4-FFF2-40B4-BE49-F238E27FC236}">
+                <a16:creationId xmlns:a16="http://schemas.microsoft.com/office/drawing/2014/main" id="{F3DFBEB0-E805-45D1-8179-87EB1F530170}"/>
               </a:ext>
             </a:extLst>
           </p:cNvPr>
@@ -3590,13 +3644,13 @@
           <p:nvPr>
             <p:extLst>
               <p:ext uri="{D42A27DB-BD31-4B8C-83A1-F6EECF244321}">
-                <p14:modId xmlns:p14="http://schemas.microsoft.com/office/powerpoint/2010/main" val="833391921"/>
+                <p14:modId xmlns:p14="http://schemas.microsoft.com/office/powerpoint/2010/main" val="2703043015"/>
               </p:ext>
             </p:extLst>
           </p:nvPr>
         </p:nvGraphicFramePr>
         <p:xfrm>
-          <a:off x="1012945" y="811911"/>
+          <a:off x="1487734" y="811911"/>
           <a:ext cx="1811044" cy="1005840"/>
         </p:xfrm>
         <a:graphic>
@@ -3690,10 +3744,10 @@
       </p:graphicFrame>
       <p:graphicFrame>
         <p:nvGraphicFramePr>
-          <p:cNvPr id="21" name="Table 20">
-            <a:extLst>
-              <a:ext uri="{FF2B5EF4-FFF2-40B4-BE49-F238E27FC236}">
-                <a16:creationId xmlns:a16="http://schemas.microsoft.com/office/drawing/2014/main" id="{DFAA59B9-905E-4147-ACBA-DA505353D12A}"/>
+          <p:cNvPr id="35" name="Table 34">
+            <a:extLst>
+              <a:ext uri="{FF2B5EF4-FFF2-40B4-BE49-F238E27FC236}">
+                <a16:creationId xmlns:a16="http://schemas.microsoft.com/office/drawing/2014/main" id="{92D2F3BC-7A35-4962-9FD6-88A660F0AC41}"/>
               </a:ext>
             </a:extLst>
           </p:cNvPr>
@@ -3703,13 +3757,13 @@
           <p:nvPr>
             <p:extLst>
               <p:ext uri="{D42A27DB-BD31-4B8C-83A1-F6EECF244321}">
-                <p14:modId xmlns:p14="http://schemas.microsoft.com/office/powerpoint/2010/main" val="927432962"/>
+                <p14:modId xmlns:p14="http://schemas.microsoft.com/office/powerpoint/2010/main" val="3154890309"/>
               </p:ext>
             </p:extLst>
           </p:nvPr>
         </p:nvGraphicFramePr>
         <p:xfrm>
-          <a:off x="1012945" y="1913536"/>
+          <a:off x="1487734" y="1913536"/>
           <a:ext cx="1811044" cy="1005840"/>
         </p:xfrm>
         <a:graphic>
@@ -3803,10 +3857,10 @@
       </p:graphicFrame>
       <p:graphicFrame>
         <p:nvGraphicFramePr>
-          <p:cNvPr id="25" name="Table 24">
-            <a:extLst>
-              <a:ext uri="{FF2B5EF4-FFF2-40B4-BE49-F238E27FC236}">
-                <a16:creationId xmlns:a16="http://schemas.microsoft.com/office/drawing/2014/main" id="{3335FB90-5441-4861-BDA2-CA7CF06AAE41}"/>
+          <p:cNvPr id="40" name="Table 39">
+            <a:extLst>
+              <a:ext uri="{FF2B5EF4-FFF2-40B4-BE49-F238E27FC236}">
+                <a16:creationId xmlns:a16="http://schemas.microsoft.com/office/drawing/2014/main" id="{DD179039-5401-48E3-A170-236D88A0D00E}"/>
               </a:ext>
             </a:extLst>
           </p:cNvPr>
@@ -3816,13 +3870,13 @@
           <p:nvPr>
             <p:extLst>
               <p:ext uri="{D42A27DB-BD31-4B8C-83A1-F6EECF244321}">
-                <p14:modId xmlns:p14="http://schemas.microsoft.com/office/powerpoint/2010/main" val="2103229736"/>
+                <p14:modId xmlns:p14="http://schemas.microsoft.com/office/powerpoint/2010/main" val="859157775"/>
               </p:ext>
             </p:extLst>
           </p:nvPr>
         </p:nvGraphicFramePr>
         <p:xfrm>
-          <a:off x="1012945" y="3015161"/>
+          <a:off x="1487734" y="3015161"/>
           <a:ext cx="1811044" cy="1005840"/>
         </p:xfrm>
         <a:graphic>
@@ -3916,10 +3970,10 @@
       </p:graphicFrame>
       <p:graphicFrame>
         <p:nvGraphicFramePr>
-          <p:cNvPr id="26" name="Table 25">
-            <a:extLst>
-              <a:ext uri="{FF2B5EF4-FFF2-40B4-BE49-F238E27FC236}">
-                <a16:creationId xmlns:a16="http://schemas.microsoft.com/office/drawing/2014/main" id="{A5678E8D-7AA1-45DE-A9E4-80D10FD09B01}"/>
+          <p:cNvPr id="41" name="Table 40">
+            <a:extLst>
+              <a:ext uri="{FF2B5EF4-FFF2-40B4-BE49-F238E27FC236}">
+                <a16:creationId xmlns:a16="http://schemas.microsoft.com/office/drawing/2014/main" id="{3CAFD01C-6525-4B5C-B14E-DD2AC4F3C793}"/>
               </a:ext>
             </a:extLst>
           </p:cNvPr>
@@ -3929,13 +3983,13 @@
           <p:nvPr>
             <p:extLst>
               <p:ext uri="{D42A27DB-BD31-4B8C-83A1-F6EECF244321}">
-                <p14:modId xmlns:p14="http://schemas.microsoft.com/office/powerpoint/2010/main" val="3576041711"/>
+                <p14:modId xmlns:p14="http://schemas.microsoft.com/office/powerpoint/2010/main" val="1819913273"/>
               </p:ext>
             </p:extLst>
           </p:nvPr>
         </p:nvGraphicFramePr>
         <p:xfrm>
-          <a:off x="1012945" y="4116786"/>
+          <a:off x="1498913" y="4113916"/>
           <a:ext cx="1811044" cy="1005840"/>
         </p:xfrm>
         <a:graphic>
@@ -4029,10 +4083,10 @@
       </p:graphicFrame>
       <p:sp>
         <p:nvSpPr>
-          <p:cNvPr id="27" name="TextBox 26">
-            <a:extLst>
-              <a:ext uri="{FF2B5EF4-FFF2-40B4-BE49-F238E27FC236}">
-                <a16:creationId xmlns:a16="http://schemas.microsoft.com/office/drawing/2014/main" id="{59DF0A81-4B85-47B1-B6DE-D6CE2E806D63}"/>
+          <p:cNvPr id="42" name="TextBox 41">
+            <a:extLst>
+              <a:ext uri="{FF2B5EF4-FFF2-40B4-BE49-F238E27FC236}">
+                <a16:creationId xmlns:a16="http://schemas.microsoft.com/office/drawing/2014/main" id="{2E20AC32-5DEB-47FE-A850-7A47F4F6E64C}"/>
               </a:ext>
             </a:extLst>
           </p:cNvPr>
@@ -4041,7 +4095,7 @@
         </p:nvSpPr>
         <p:spPr>
           <a:xfrm>
-            <a:off x="772302" y="5693831"/>
+            <a:off x="1247091" y="5693831"/>
             <a:ext cx="2463069" cy="365972"/>
           </a:xfrm>
           <a:prstGeom prst="rect">
@@ -4068,66 +4122,12 @@
           </a:p>
         </p:txBody>
       </p:sp>
-      <p:sp>
-        <p:nvSpPr>
-          <p:cNvPr id="32" name="Rectangle 31">
-            <a:extLst>
-              <a:ext uri="{FF2B5EF4-FFF2-40B4-BE49-F238E27FC236}">
-                <a16:creationId xmlns:a16="http://schemas.microsoft.com/office/drawing/2014/main" id="{910A776F-3E8D-4C08-9F8C-8917A66806C4}"/>
-              </a:ext>
-            </a:extLst>
-          </p:cNvPr>
-          <p:cNvSpPr/>
-          <p:nvPr/>
-        </p:nvSpPr>
-        <p:spPr>
-          <a:xfrm>
-            <a:off x="4190260" y="4089535"/>
-            <a:ext cx="5832629" cy="1171852"/>
-          </a:xfrm>
-          <a:prstGeom prst="rect">
-            <a:avLst/>
-          </a:prstGeom>
-          <a:solidFill>
-            <a:schemeClr val="bg1"/>
-          </a:solidFill>
-          <a:ln w="28575">
-            <a:solidFill>
-              <a:schemeClr val="tx1"/>
-            </a:solidFill>
-          </a:ln>
-        </p:spPr>
-        <p:style>
-          <a:lnRef idx="2">
-            <a:schemeClr val="accent1">
-              <a:shade val="50000"/>
-            </a:schemeClr>
-          </a:lnRef>
-          <a:fillRef idx="1">
-            <a:schemeClr val="accent1"/>
-          </a:fillRef>
-          <a:effectRef idx="0">
-            <a:schemeClr val="accent1"/>
-          </a:effectRef>
-          <a:fontRef idx="minor">
-            <a:schemeClr val="lt1"/>
-          </a:fontRef>
-        </p:style>
-        <p:txBody>
-          <a:bodyPr rtlCol="0" anchor="ctr"/>
-          <a:lstStyle/>
-          <a:p>
-            <a:pPr algn="ctr"/>
-            <a:endParaRPr lang="en-SG"/>
-          </a:p>
-        </p:txBody>
-      </p:sp>
       <p:graphicFrame>
         <p:nvGraphicFramePr>
-          <p:cNvPr id="33" name="Table 32">
-            <a:extLst>
-              <a:ext uri="{FF2B5EF4-FFF2-40B4-BE49-F238E27FC236}">
-                <a16:creationId xmlns:a16="http://schemas.microsoft.com/office/drawing/2014/main" id="{D924B554-DCBC-4509-9099-8CD5DE822B4F}"/>
+          <p:cNvPr id="43" name="Table 42">
+            <a:extLst>
+              <a:ext uri="{FF2B5EF4-FFF2-40B4-BE49-F238E27FC236}">
+                <a16:creationId xmlns:a16="http://schemas.microsoft.com/office/drawing/2014/main" id="{E122261E-F57E-4512-9803-692C2D4BDA91}"/>
               </a:ext>
             </a:extLst>
           </p:cNvPr>
@@ -4137,7 +4137,7 @@
           <p:nvPr>
             <p:extLst>
               <p:ext uri="{D42A27DB-BD31-4B8C-83A1-F6EECF244321}">
-                <p14:modId xmlns:p14="http://schemas.microsoft.com/office/powerpoint/2010/main" val="3945736270"/>
+                <p14:modId xmlns:p14="http://schemas.microsoft.com/office/powerpoint/2010/main" val="2570110796"/>
               </p:ext>
             </p:extLst>
           </p:nvPr>
@@ -4231,10 +4231,10 @@
       </p:graphicFrame>
       <p:sp>
         <p:nvSpPr>
-          <p:cNvPr id="36" name="TextBox 35">
-            <a:extLst>
-              <a:ext uri="{FF2B5EF4-FFF2-40B4-BE49-F238E27FC236}">
-                <a16:creationId xmlns:a16="http://schemas.microsoft.com/office/drawing/2014/main" id="{EA9CDF03-4B3A-4FF2-B7DF-D263BDA4BA18}"/>
+          <p:cNvPr id="44" name="TextBox 43">
+            <a:extLst>
+              <a:ext uri="{FF2B5EF4-FFF2-40B4-BE49-F238E27FC236}">
+                <a16:creationId xmlns:a16="http://schemas.microsoft.com/office/drawing/2014/main" id="{990FDBD2-D311-41E5-9E5F-CA512DE0E569}"/>
               </a:ext>
             </a:extLst>
           </p:cNvPr>
@@ -4243,7 +4243,7 @@
         </p:nvSpPr>
         <p:spPr>
           <a:xfrm>
-            <a:off x="5768951" y="5322557"/>
+            <a:off x="4899767" y="5303920"/>
             <a:ext cx="2463069" cy="365972"/>
           </a:xfrm>
           <a:prstGeom prst="rect">
@@ -4270,12 +4270,120 @@
           </a:p>
         </p:txBody>
       </p:sp>
+      <p:grpSp>
+        <p:nvGrpSpPr>
+          <p:cNvPr id="45" name="Group 44">
+            <a:extLst>
+              <a:ext uri="{FF2B5EF4-FFF2-40B4-BE49-F238E27FC236}">
+                <a16:creationId xmlns:a16="http://schemas.microsoft.com/office/drawing/2014/main" id="{1A05B092-7AAD-460B-A456-A5896B0C0F97}"/>
+              </a:ext>
+            </a:extLst>
+          </p:cNvPr>
+          <p:cNvGrpSpPr/>
+          <p:nvPr/>
+        </p:nvGrpSpPr>
+        <p:grpSpPr>
+          <a:xfrm>
+            <a:off x="5329524" y="2445356"/>
+            <a:ext cx="1539462" cy="1415552"/>
+            <a:chOff x="6474978" y="2463993"/>
+            <a:chExt cx="1263192" cy="1415552"/>
+          </a:xfrm>
+        </p:grpSpPr>
+        <p:sp>
+          <p:nvSpPr>
+            <p:cNvPr id="46" name="Arrow: Right 45">
+              <a:extLst>
+                <a:ext uri="{FF2B5EF4-FFF2-40B4-BE49-F238E27FC236}">
+                  <a16:creationId xmlns:a16="http://schemas.microsoft.com/office/drawing/2014/main" id="{CFCE3CEE-D926-4D0C-93FC-B0BB8FBDB90B}"/>
+                </a:ext>
+              </a:extLst>
+            </p:cNvPr>
+            <p:cNvSpPr/>
+            <p:nvPr/>
+          </p:nvSpPr>
+          <p:spPr>
+            <a:xfrm rot="5400000">
+              <a:off x="6398798" y="2540173"/>
+              <a:ext cx="1415552" cy="1263192"/>
+            </a:xfrm>
+            <a:prstGeom prst="rightArrow">
+              <a:avLst/>
+            </a:prstGeom>
+          </p:spPr>
+          <p:style>
+            <a:lnRef idx="2">
+              <a:schemeClr val="accent1">
+                <a:shade val="50000"/>
+              </a:schemeClr>
+            </a:lnRef>
+            <a:fillRef idx="1">
+              <a:schemeClr val="accent1"/>
+            </a:fillRef>
+            <a:effectRef idx="0">
+              <a:schemeClr val="accent1"/>
+            </a:effectRef>
+            <a:fontRef idx="minor">
+              <a:schemeClr val="lt1"/>
+            </a:fontRef>
+          </p:style>
+          <p:txBody>
+            <a:bodyPr lIns="0" rIns="0" rtlCol="0" anchor="ctr"/>
+            <a:lstStyle/>
+            <a:p>
+              <a:pPr algn="ctr"/>
+              <a:endParaRPr lang="en-SG" dirty="0">
+                <a:latin typeface="Consolas" panose="020B0609020204030204" pitchFamily="49" charset="0"/>
+              </a:endParaRPr>
+            </a:p>
+          </p:txBody>
+        </p:sp>
+        <p:sp>
+          <p:nvSpPr>
+            <p:cNvPr id="47" name="TextBox 46">
+              <a:extLst>
+                <a:ext uri="{FF2B5EF4-FFF2-40B4-BE49-F238E27FC236}">
+                  <a16:creationId xmlns:a16="http://schemas.microsoft.com/office/drawing/2014/main" id="{E8241601-2976-4148-A259-7D98AB1EA7D7}"/>
+                </a:ext>
+              </a:extLst>
+            </p:cNvPr>
+            <p:cNvSpPr txBox="1"/>
+            <p:nvPr/>
+          </p:nvSpPr>
+          <p:spPr>
+            <a:xfrm>
+              <a:off x="6728861" y="2866087"/>
+              <a:ext cx="740794" cy="369332"/>
+            </a:xfrm>
+            <a:prstGeom prst="rect">
+              <a:avLst/>
+            </a:prstGeom>
+            <a:noFill/>
+          </p:spPr>
+          <p:txBody>
+            <a:bodyPr wrap="none" rtlCol="0">
+              <a:spAutoFit/>
+            </a:bodyPr>
+            <a:lstStyle/>
+            <a:p>
+              <a:r>
+                <a:rPr lang="en-SG" dirty="0">
+                  <a:solidFill>
+                    <a:schemeClr val="bg1"/>
+                  </a:solidFill>
+                </a:rPr>
+                <a:t>select 1</a:t>
+              </a:r>
+            </a:p>
+          </p:txBody>
+        </p:sp>
+      </p:grpSp>
       <p:graphicFrame>
         <p:nvGraphicFramePr>
-          <p:cNvPr id="37" name="Table 36">
-            <a:extLst>
-              <a:ext uri="{FF2B5EF4-FFF2-40B4-BE49-F238E27FC236}">
-                <a16:creationId xmlns:a16="http://schemas.microsoft.com/office/drawing/2014/main" id="{91CEEE3E-AAE8-4D89-B888-02AD702576CA}"/>
+          <p:cNvPr id="48" name="Table 47">
+            <a:extLst>
+              <a:ext uri="{FF2B5EF4-FFF2-40B4-BE49-F238E27FC236}">
+                <a16:creationId xmlns:a16="http://schemas.microsoft.com/office/drawing/2014/main" id="{1C135AC6-A059-41B9-AD1F-0CA744E60DC9}"/>
               </a:ext>
             </a:extLst>
           </p:cNvPr>
@@ -4285,13 +4393,13 @@
           <p:nvPr>
             <p:extLst>
               <p:ext uri="{D42A27DB-BD31-4B8C-83A1-F6EECF244321}">
-                <p14:modId xmlns:p14="http://schemas.microsoft.com/office/powerpoint/2010/main" val="3605715881"/>
+                <p14:modId xmlns:p14="http://schemas.microsoft.com/office/powerpoint/2010/main" val="4037622827"/>
               </p:ext>
             </p:extLst>
           </p:nvPr>
         </p:nvGraphicFramePr>
         <p:xfrm>
-          <a:off x="4249656" y="829665"/>
+          <a:off x="4249656" y="813781"/>
           <a:ext cx="1811044" cy="1003970"/>
         </p:xfrm>
         <a:graphic>
@@ -4379,10 +4487,10 @@
       </p:graphicFrame>
       <p:graphicFrame>
         <p:nvGraphicFramePr>
-          <p:cNvPr id="38" name="Table 37">
-            <a:extLst>
-              <a:ext uri="{FF2B5EF4-FFF2-40B4-BE49-F238E27FC236}">
-                <a16:creationId xmlns:a16="http://schemas.microsoft.com/office/drawing/2014/main" id="{EA3D1B6C-18FE-46C9-A450-B1DB2733C32D}"/>
+          <p:cNvPr id="49" name="Table 48">
+            <a:extLst>
+              <a:ext uri="{FF2B5EF4-FFF2-40B4-BE49-F238E27FC236}">
+                <a16:creationId xmlns:a16="http://schemas.microsoft.com/office/drawing/2014/main" id="{46776EA8-246C-4FDA-AFF2-CE6156167059}"/>
               </a:ext>
             </a:extLst>
           </p:cNvPr>
@@ -4392,13 +4500,13 @@
           <p:nvPr>
             <p:extLst>
               <p:ext uri="{D42A27DB-BD31-4B8C-83A1-F6EECF244321}">
-                <p14:modId xmlns:p14="http://schemas.microsoft.com/office/powerpoint/2010/main" val="3246710263"/>
+                <p14:modId xmlns:p14="http://schemas.microsoft.com/office/powerpoint/2010/main" val="3770803307"/>
               </p:ext>
             </p:extLst>
           </p:nvPr>
         </p:nvGraphicFramePr>
         <p:xfrm>
-          <a:off x="6198708" y="4173476"/>
+          <a:off x="6240838" y="4173476"/>
           <a:ext cx="1811044" cy="1003970"/>
         </p:xfrm>
         <a:graphic>
@@ -4456,13 +4564,8 @@
                     <a:p>
                       <a:r>
                         <a:rPr lang="en-SG" dirty="0"/>
-                        <a:t>title </a:t>
+                        <a:t>title = “Two”</a:t>
                       </a:r>
-                      <a:r>
-                        <a:rPr lang="en-SG"/>
-                        <a:t>= “Two”</a:t>
-                      </a:r>
-                      <a:endParaRPr lang="en-SG" dirty="0"/>
                     </a:p>
                   </a:txBody>
                   <a:tcPr>
@@ -4491,10 +4594,10 @@
       </p:graphicFrame>
       <p:graphicFrame>
         <p:nvGraphicFramePr>
-          <p:cNvPr id="39" name="Table 38">
-            <a:extLst>
-              <a:ext uri="{FF2B5EF4-FFF2-40B4-BE49-F238E27FC236}">
-                <a16:creationId xmlns:a16="http://schemas.microsoft.com/office/drawing/2014/main" id="{CC4B566C-48A1-47DF-ADEB-83ABF4269A67}"/>
+          <p:cNvPr id="50" name="Table 49">
+            <a:extLst>
+              <a:ext uri="{FF2B5EF4-FFF2-40B4-BE49-F238E27FC236}">
+                <a16:creationId xmlns:a16="http://schemas.microsoft.com/office/drawing/2014/main" id="{CF0457E4-2265-4FFE-BA46-1544D38238CB}"/>
               </a:ext>
             </a:extLst>
           </p:cNvPr>
@@ -4504,13 +4607,13 @@
           <p:nvPr>
             <p:extLst>
               <p:ext uri="{D42A27DB-BD31-4B8C-83A1-F6EECF244321}">
-                <p14:modId xmlns:p14="http://schemas.microsoft.com/office/powerpoint/2010/main" val="3480265668"/>
+                <p14:modId xmlns:p14="http://schemas.microsoft.com/office/powerpoint/2010/main" val="1001004544"/>
               </p:ext>
             </p:extLst>
           </p:nvPr>
         </p:nvGraphicFramePr>
         <p:xfrm>
-          <a:off x="6198708" y="813781"/>
+          <a:off x="6240838" y="809958"/>
           <a:ext cx="1811044" cy="1003970"/>
         </p:xfrm>
         <a:graphic>
@@ -4596,114 +4699,6 @@
           </a:graphicData>
         </a:graphic>
       </p:graphicFrame>
-      <p:grpSp>
-        <p:nvGrpSpPr>
-          <p:cNvPr id="22" name="Group 21">
-            <a:extLst>
-              <a:ext uri="{FF2B5EF4-FFF2-40B4-BE49-F238E27FC236}">
-                <a16:creationId xmlns:a16="http://schemas.microsoft.com/office/drawing/2014/main" id="{4548AE2D-E4E8-4EC3-85B3-9773A1FC382C}"/>
-              </a:ext>
-            </a:extLst>
-          </p:cNvPr>
-          <p:cNvGrpSpPr/>
-          <p:nvPr/>
-        </p:nvGrpSpPr>
-        <p:grpSpPr>
-          <a:xfrm>
-            <a:off x="6198708" y="2463993"/>
-            <a:ext cx="1539462" cy="1415552"/>
-            <a:chOff x="6474978" y="2463993"/>
-            <a:chExt cx="1263192" cy="1415552"/>
-          </a:xfrm>
-        </p:grpSpPr>
-        <p:sp>
-          <p:nvSpPr>
-            <p:cNvPr id="23" name="Arrow: Right 22">
-              <a:extLst>
-                <a:ext uri="{FF2B5EF4-FFF2-40B4-BE49-F238E27FC236}">
-                  <a16:creationId xmlns:a16="http://schemas.microsoft.com/office/drawing/2014/main" id="{02E8BE24-5150-4643-8EDA-735F6B6F53AC}"/>
-                </a:ext>
-              </a:extLst>
-            </p:cNvPr>
-            <p:cNvSpPr/>
-            <p:nvPr/>
-          </p:nvSpPr>
-          <p:spPr>
-            <a:xfrm rot="5400000">
-              <a:off x="6398798" y="2540173"/>
-              <a:ext cx="1415552" cy="1263192"/>
-            </a:xfrm>
-            <a:prstGeom prst="rightArrow">
-              <a:avLst/>
-            </a:prstGeom>
-          </p:spPr>
-          <p:style>
-            <a:lnRef idx="2">
-              <a:schemeClr val="accent1">
-                <a:shade val="50000"/>
-              </a:schemeClr>
-            </a:lnRef>
-            <a:fillRef idx="1">
-              <a:schemeClr val="accent1"/>
-            </a:fillRef>
-            <a:effectRef idx="0">
-              <a:schemeClr val="accent1"/>
-            </a:effectRef>
-            <a:fontRef idx="minor">
-              <a:schemeClr val="lt1"/>
-            </a:fontRef>
-          </p:style>
-          <p:txBody>
-            <a:bodyPr lIns="0" rIns="0" rtlCol="0" anchor="ctr"/>
-            <a:lstStyle/>
-            <a:p>
-              <a:pPr algn="ctr"/>
-              <a:endParaRPr lang="en-SG" dirty="0">
-                <a:latin typeface="Consolas" panose="020B0609020204030204" pitchFamily="49" charset="0"/>
-              </a:endParaRPr>
-            </a:p>
-          </p:txBody>
-        </p:sp>
-        <p:sp>
-          <p:nvSpPr>
-            <p:cNvPr id="24" name="TextBox 23">
-              <a:extLst>
-                <a:ext uri="{FF2B5EF4-FFF2-40B4-BE49-F238E27FC236}">
-                  <a16:creationId xmlns:a16="http://schemas.microsoft.com/office/drawing/2014/main" id="{36E33EBB-4049-425D-8CBA-C605E4CD73E2}"/>
-                </a:ext>
-              </a:extLst>
-            </p:cNvPr>
-            <p:cNvSpPr txBox="1"/>
-            <p:nvPr/>
-          </p:nvSpPr>
-          <p:spPr>
-            <a:xfrm>
-              <a:off x="6728861" y="2866087"/>
-              <a:ext cx="740794" cy="369332"/>
-            </a:xfrm>
-            <a:prstGeom prst="rect">
-              <a:avLst/>
-            </a:prstGeom>
-            <a:noFill/>
-          </p:spPr>
-          <p:txBody>
-            <a:bodyPr wrap="none" rtlCol="0">
-              <a:spAutoFit/>
-            </a:bodyPr>
-            <a:lstStyle/>
-            <a:p>
-              <a:r>
-                <a:rPr lang="en-SG" dirty="0">
-                  <a:solidFill>
-                    <a:schemeClr val="bg1"/>
-                  </a:solidFill>
-                </a:rPr>
-                <a:t>select 1</a:t>
-              </a:r>
-            </a:p>
-          </p:txBody>
-        </p:sp>
-      </p:grpSp>
     </p:spTree>
     <p:extLst>
       <p:ext uri="{BB962C8B-B14F-4D97-AF65-F5344CB8AC3E}">
